--- a/Week03/챗봇 애플리케이션 만들기(OpenAI API 활용) 사내 과정의 과제 3주차.pptx
+++ b/Week03/챗봇 애플리케이션 만들기(OpenAI API 활용) 사내 과정의 과제 3주차.pptx
@@ -29,7 +29,9 @@
     <p:sldId id="288" r:id="rId23"/>
     <p:sldId id="292" r:id="rId24"/>
     <p:sldId id="291" r:id="rId25"/>
-    <p:sldId id="275" r:id="rId26"/>
+    <p:sldId id="298" r:id="rId26"/>
+    <p:sldId id="275" r:id="rId27"/>
+    <p:sldId id="299" r:id="rId28"/>
   </p:sldIdLst>
   <p:sldSz cx="12192000" cy="6858000"/>
   <p:notesSz cx="6858000" cy="9144000"/>
@@ -283,7 +285,7 @@
           <a:p>
             <a:fld id="{2355B910-5FB6-7C49-820C-73ED1EE33748}" type="datetimeFigureOut">
               <a:rPr kumimoji="1" lang="ko-KR" altLang="en-US" smtClean="0"/>
-              <a:t>2024. 3. 25.</a:t>
+              <a:t>2024. 3. 26.</a:t>
             </a:fld>
             <a:endParaRPr kumimoji="1" lang="ko-KR" altLang="en-US"/>
           </a:p>
@@ -481,7 +483,7 @@
           <a:p>
             <a:fld id="{2355B910-5FB6-7C49-820C-73ED1EE33748}" type="datetimeFigureOut">
               <a:rPr kumimoji="1" lang="ko-KR" altLang="en-US" smtClean="0"/>
-              <a:t>2024. 3. 25.</a:t>
+              <a:t>2024. 3. 26.</a:t>
             </a:fld>
             <a:endParaRPr kumimoji="1" lang="ko-KR" altLang="en-US"/>
           </a:p>
@@ -689,7 +691,7 @@
           <a:p>
             <a:fld id="{2355B910-5FB6-7C49-820C-73ED1EE33748}" type="datetimeFigureOut">
               <a:rPr kumimoji="1" lang="ko-KR" altLang="en-US" smtClean="0"/>
-              <a:t>2024. 3. 25.</a:t>
+              <a:t>2024. 3. 26.</a:t>
             </a:fld>
             <a:endParaRPr kumimoji="1" lang="ko-KR" altLang="en-US"/>
           </a:p>
@@ -887,7 +889,7 @@
           <a:p>
             <a:fld id="{2355B910-5FB6-7C49-820C-73ED1EE33748}" type="datetimeFigureOut">
               <a:rPr kumimoji="1" lang="ko-KR" altLang="en-US" smtClean="0"/>
-              <a:t>2024. 3. 25.</a:t>
+              <a:t>2024. 3. 26.</a:t>
             </a:fld>
             <a:endParaRPr kumimoji="1" lang="ko-KR" altLang="en-US"/>
           </a:p>
@@ -1162,7 +1164,7 @@
           <a:p>
             <a:fld id="{2355B910-5FB6-7C49-820C-73ED1EE33748}" type="datetimeFigureOut">
               <a:rPr kumimoji="1" lang="ko-KR" altLang="en-US" smtClean="0"/>
-              <a:t>2024. 3. 25.</a:t>
+              <a:t>2024. 3. 26.</a:t>
             </a:fld>
             <a:endParaRPr kumimoji="1" lang="ko-KR" altLang="en-US"/>
           </a:p>
@@ -1427,7 +1429,7 @@
           <a:p>
             <a:fld id="{2355B910-5FB6-7C49-820C-73ED1EE33748}" type="datetimeFigureOut">
               <a:rPr kumimoji="1" lang="ko-KR" altLang="en-US" smtClean="0"/>
-              <a:t>2024. 3. 25.</a:t>
+              <a:t>2024. 3. 26.</a:t>
             </a:fld>
             <a:endParaRPr kumimoji="1" lang="ko-KR" altLang="en-US"/>
           </a:p>
@@ -1839,7 +1841,7 @@
           <a:p>
             <a:fld id="{2355B910-5FB6-7C49-820C-73ED1EE33748}" type="datetimeFigureOut">
               <a:rPr kumimoji="1" lang="ko-KR" altLang="en-US" smtClean="0"/>
-              <a:t>2024. 3. 25.</a:t>
+              <a:t>2024. 3. 26.</a:t>
             </a:fld>
             <a:endParaRPr kumimoji="1" lang="ko-KR" altLang="en-US"/>
           </a:p>
@@ -1980,7 +1982,7 @@
           <a:p>
             <a:fld id="{2355B910-5FB6-7C49-820C-73ED1EE33748}" type="datetimeFigureOut">
               <a:rPr kumimoji="1" lang="ko-KR" altLang="en-US" smtClean="0"/>
-              <a:t>2024. 3. 25.</a:t>
+              <a:t>2024. 3. 26.</a:t>
             </a:fld>
             <a:endParaRPr kumimoji="1" lang="ko-KR" altLang="en-US"/>
           </a:p>
@@ -2093,7 +2095,7 @@
           <a:p>
             <a:fld id="{2355B910-5FB6-7C49-820C-73ED1EE33748}" type="datetimeFigureOut">
               <a:rPr kumimoji="1" lang="ko-KR" altLang="en-US" smtClean="0"/>
-              <a:t>2024. 3. 25.</a:t>
+              <a:t>2024. 3. 26.</a:t>
             </a:fld>
             <a:endParaRPr kumimoji="1" lang="ko-KR" altLang="en-US"/>
           </a:p>
@@ -2404,7 +2406,7 @@
           <a:p>
             <a:fld id="{2355B910-5FB6-7C49-820C-73ED1EE33748}" type="datetimeFigureOut">
               <a:rPr kumimoji="1" lang="ko-KR" altLang="en-US" smtClean="0"/>
-              <a:t>2024. 3. 25.</a:t>
+              <a:t>2024. 3. 26.</a:t>
             </a:fld>
             <a:endParaRPr kumimoji="1" lang="ko-KR" altLang="en-US"/>
           </a:p>
@@ -2692,7 +2694,7 @@
           <a:p>
             <a:fld id="{2355B910-5FB6-7C49-820C-73ED1EE33748}" type="datetimeFigureOut">
               <a:rPr kumimoji="1" lang="ko-KR" altLang="en-US" smtClean="0"/>
-              <a:t>2024. 3. 25.</a:t>
+              <a:t>2024. 3. 26.</a:t>
             </a:fld>
             <a:endParaRPr kumimoji="1" lang="ko-KR" altLang="en-US"/>
           </a:p>
@@ -2933,7 +2935,7 @@
           <a:p>
             <a:fld id="{2355B910-5FB6-7C49-820C-73ED1EE33748}" type="datetimeFigureOut">
               <a:rPr kumimoji="1" lang="ko-KR" altLang="en-US" smtClean="0"/>
-              <a:t>2024. 3. 25.</a:t>
+              <a:t>2024. 3. 26.</a:t>
             </a:fld>
             <a:endParaRPr kumimoji="1" lang="ko-KR" altLang="en-US"/>
           </a:p>
@@ -3679,6 +3681,19 @@
               </a:rPr>
               <a:t>주차</a:t>
             </a:r>
+            <a:r>
+              <a:rPr kumimoji="1" lang="en-US" altLang="ko-KR" sz="4800" b="1">
+                <a:solidFill>
+                  <a:schemeClr val="bg1"/>
+                </a:solidFill>
+              </a:rPr>
+              <a:t> - 1</a:t>
+            </a:r>
+            <a:endParaRPr kumimoji="1" lang="ko-KR" altLang="en-US" sz="4800" b="1" dirty="0">
+              <a:solidFill>
+                <a:schemeClr val="bg1"/>
+              </a:solidFill>
+            </a:endParaRPr>
           </a:p>
         </p:txBody>
       </p:sp>
@@ -9498,6 +9513,50 @@
           </a:prstGeom>
         </p:spPr>
       </p:pic>
+      <p:sp>
+        <p:nvSpPr>
+          <p:cNvPr id="2" name="TextBox 1">
+            <a:extLst>
+              <a:ext uri="{FF2B5EF4-FFF2-40B4-BE49-F238E27FC236}">
+                <a16:creationId xmlns:a16="http://schemas.microsoft.com/office/drawing/2014/main" id="{A86DAE0E-8220-51ED-1421-C1320446AD53}"/>
+              </a:ext>
+            </a:extLst>
+          </p:cNvPr>
+          <p:cNvSpPr txBox="1"/>
+          <p:nvPr/>
+        </p:nvSpPr>
+        <p:spPr>
+          <a:xfrm>
+            <a:off x="2419519" y="3924637"/>
+            <a:ext cx="1547155" cy="369332"/>
+          </a:xfrm>
+          <a:prstGeom prst="rect">
+            <a:avLst/>
+          </a:prstGeom>
+          <a:noFill/>
+        </p:spPr>
+        <p:txBody>
+          <a:bodyPr wrap="none" rtlCol="0">
+            <a:spAutoFit/>
+          </a:bodyPr>
+          <a:lstStyle/>
+          <a:p>
+            <a:r>
+              <a:rPr kumimoji="1" lang="en-US" altLang="ko-KR" dirty="0"/>
+              <a:t>(</a:t>
+            </a:r>
+            <a:r>
+              <a:rPr kumimoji="1" lang="en-US" altLang="ko-KR" dirty="0" err="1"/>
+              <a:t>openSearch</a:t>
+            </a:r>
+            <a:r>
+              <a:rPr kumimoji="1" lang="en-US" altLang="ko-KR" dirty="0"/>
+              <a:t>)</a:t>
+            </a:r>
+            <a:endParaRPr kumimoji="1" lang="ko-KR" altLang="en-US" dirty="0"/>
+          </a:p>
+        </p:txBody>
+      </p:sp>
     </p:spTree>
     <p:extLst>
       <p:ext uri="{BB962C8B-B14F-4D97-AF65-F5344CB8AC3E}">
@@ -9763,8 +9822,8 @@
         </p:nvSpPr>
         <p:spPr>
           <a:xfrm>
-            <a:off x="6348714" y="6488668"/>
-            <a:ext cx="6099858" cy="369332"/>
+            <a:off x="6527934" y="6525631"/>
+            <a:ext cx="5536422" cy="369332"/>
           </a:xfrm>
           <a:prstGeom prst="rect">
             <a:avLst/>
@@ -10325,6 +10384,69 @@
           </a:prstGeom>
         </p:spPr>
       </p:pic>
+      <p:sp>
+        <p:nvSpPr>
+          <p:cNvPr id="2" name="TextBox 1">
+            <a:extLst>
+              <a:ext uri="{FF2B5EF4-FFF2-40B4-BE49-F238E27FC236}">
+                <a16:creationId xmlns:a16="http://schemas.microsoft.com/office/drawing/2014/main" id="{447E5DE4-C3A9-12FE-AC58-6AFCFC731D67}"/>
+              </a:ext>
+            </a:extLst>
+          </p:cNvPr>
+          <p:cNvSpPr txBox="1"/>
+          <p:nvPr/>
+        </p:nvSpPr>
+        <p:spPr>
+          <a:xfrm>
+            <a:off x="6580893" y="6488668"/>
+            <a:ext cx="5536422" cy="369332"/>
+          </a:xfrm>
+          <a:prstGeom prst="rect">
+            <a:avLst/>
+          </a:prstGeom>
+          <a:noFill/>
+        </p:spPr>
+        <p:txBody>
+          <a:bodyPr wrap="square">
+            <a:spAutoFit/>
+          </a:bodyPr>
+          <a:lstStyle/>
+          <a:p>
+            <a:r>
+              <a:rPr lang="ko-KR" altLang="en-US" dirty="0" err="1"/>
+              <a:t>https</a:t>
+            </a:r>
+            <a:r>
+              <a:rPr lang="ko-KR" altLang="en-US" dirty="0"/>
+              <a:t>://</a:t>
+            </a:r>
+            <a:r>
+              <a:rPr lang="ko-KR" altLang="en-US" dirty="0" err="1"/>
+              <a:t>www.pinecone.io</a:t>
+            </a:r>
+            <a:r>
+              <a:rPr lang="ko-KR" altLang="en-US" dirty="0"/>
+              <a:t>/</a:t>
+            </a:r>
+            <a:r>
+              <a:rPr lang="ko-KR" altLang="en-US" dirty="0" err="1"/>
+              <a:t>learn</a:t>
+            </a:r>
+            <a:r>
+              <a:rPr lang="ko-KR" altLang="en-US" dirty="0"/>
+              <a:t>/</a:t>
+            </a:r>
+            <a:r>
+              <a:rPr lang="ko-KR" altLang="en-US" dirty="0" err="1"/>
+              <a:t>vector-similarity</a:t>
+            </a:r>
+            <a:r>
+              <a:rPr lang="ko-KR" altLang="en-US" dirty="0"/>
+              <a:t>/</a:t>
+            </a:r>
+          </a:p>
+        </p:txBody>
+      </p:sp>
     </p:spTree>
     <p:extLst>
       <p:ext uri="{BB962C8B-B14F-4D97-AF65-F5344CB8AC3E}">
@@ -10355,12 +10477,41 @@
           <a:chExt cx="0" cy="0"/>
         </a:xfrm>
       </p:grpSpPr>
-      <p:sp>
-        <p:nvSpPr>
-          <p:cNvPr id="4" name="제목 1">
-            <a:extLst>
-              <a:ext uri="{FF2B5EF4-FFF2-40B4-BE49-F238E27FC236}">
-                <a16:creationId xmlns:a16="http://schemas.microsoft.com/office/drawing/2014/main" id="{B99FE53D-94BA-06CC-AFB4-801F3C7D6224}"/>
+      <p:pic>
+        <p:nvPicPr>
+          <p:cNvPr id="4" name="그림 3" descr="스크린샷, 직사각형이(가) 표시된 사진&#10;&#10;자동 생성된 설명">
+            <a:extLst>
+              <a:ext uri="{FF2B5EF4-FFF2-40B4-BE49-F238E27FC236}">
+                <a16:creationId xmlns:a16="http://schemas.microsoft.com/office/drawing/2014/main" id="{B556203E-15B2-7D5A-F066-796ABB5B5DA0}"/>
+              </a:ext>
+            </a:extLst>
+          </p:cNvPr>
+          <p:cNvPicPr>
+            <a:picLocks noChangeAspect="1"/>
+          </p:cNvPicPr>
+          <p:nvPr/>
+        </p:nvPicPr>
+        <p:blipFill rotWithShape="1">
+          <a:blip r:embed="rId2"/>
+          <a:srcRect t="76802" r="4952"/>
+          <a:stretch/>
+        </p:blipFill>
+        <p:spPr>
+          <a:xfrm rot="5400000">
+            <a:off x="60468" y="479621"/>
+            <a:ext cx="664369" cy="129094"/>
+          </a:xfrm>
+          <a:prstGeom prst="rect">
+            <a:avLst/>
+          </a:prstGeom>
+        </p:spPr>
+      </p:pic>
+      <p:sp>
+        <p:nvSpPr>
+          <p:cNvPr id="5" name="제목 1">
+            <a:extLst>
+              <a:ext uri="{FF2B5EF4-FFF2-40B4-BE49-F238E27FC236}">
+                <a16:creationId xmlns:a16="http://schemas.microsoft.com/office/drawing/2014/main" id="{AC29ADDA-D0B6-B303-F278-458173B58B6F}"/>
               </a:ext>
             </a:extLst>
           </p:cNvPr>
@@ -10409,6 +10560,147 @@
                   <a:srgbClr val="002060"/>
                 </a:solidFill>
               </a:rPr>
+              <a:t>차주</a:t>
+            </a:r>
+            <a:endParaRPr kumimoji="1" lang="en-US" altLang="ko-KR" sz="3200" b="1" dirty="0">
+              <a:solidFill>
+                <a:srgbClr val="002060"/>
+              </a:solidFill>
+            </a:endParaRPr>
+          </a:p>
+        </p:txBody>
+      </p:sp>
+      <p:sp>
+        <p:nvSpPr>
+          <p:cNvPr id="6" name="TextBox 5">
+            <a:extLst>
+              <a:ext uri="{FF2B5EF4-FFF2-40B4-BE49-F238E27FC236}">
+                <a16:creationId xmlns:a16="http://schemas.microsoft.com/office/drawing/2014/main" id="{74CB7E6D-F1B8-62F8-3220-4E3681EA2D95}"/>
+              </a:ext>
+            </a:extLst>
+          </p:cNvPr>
+          <p:cNvSpPr txBox="1"/>
+          <p:nvPr/>
+        </p:nvSpPr>
+        <p:spPr>
+          <a:xfrm>
+            <a:off x="457200" y="969292"/>
+            <a:ext cx="9268976" cy="400110"/>
+          </a:xfrm>
+          <a:prstGeom prst="rect">
+            <a:avLst/>
+          </a:prstGeom>
+          <a:noFill/>
+        </p:spPr>
+        <p:txBody>
+          <a:bodyPr wrap="square" rtlCol="0">
+            <a:spAutoFit/>
+          </a:bodyPr>
+          <a:lstStyle/>
+          <a:p>
+            <a:r>
+              <a:rPr kumimoji="1" lang="ko-KR" altLang="en-US" sz="2000" b="1" dirty="0"/>
+              <a:t>차주에 본격적으로 </a:t>
+            </a:r>
+            <a:r>
+              <a:rPr kumimoji="1" lang="ko-KR" altLang="en-US" sz="2000" b="1" dirty="0" err="1"/>
+              <a:t>챗봇에</a:t>
+            </a:r>
+            <a:r>
+              <a:rPr kumimoji="1" lang="ko-KR" altLang="en-US" sz="2000" b="1" dirty="0"/>
+              <a:t> 적용해보겠습니다</a:t>
+            </a:r>
+            <a:r>
+              <a:rPr kumimoji="1" lang="en-US" altLang="ko-KR" sz="2000" b="1" dirty="0"/>
+              <a:t>.</a:t>
+            </a:r>
+          </a:p>
+        </p:txBody>
+      </p:sp>
+    </p:spTree>
+    <p:extLst>
+      <p:ext uri="{BB962C8B-B14F-4D97-AF65-F5344CB8AC3E}">
+        <p14:creationId xmlns:p14="http://schemas.microsoft.com/office/powerpoint/2010/main" val="3534614724"/>
+      </p:ext>
+    </p:extLst>
+  </p:cSld>
+  <p:clrMapOvr>
+    <a:masterClrMapping/>
+  </p:clrMapOvr>
+</p:sld>
+</file>
+
+<file path=ppt/slides/slide26.xml><?xml version="1.0" encoding="utf-8"?>
+<p:sld xmlns:a="http://schemas.openxmlformats.org/drawingml/2006/main" xmlns:r="http://schemas.openxmlformats.org/officeDocument/2006/relationships" xmlns:p="http://schemas.openxmlformats.org/presentationml/2006/main">
+  <p:cSld>
+    <p:spTree>
+      <p:nvGrpSpPr>
+        <p:cNvPr id="1" name=""/>
+        <p:cNvGrpSpPr/>
+        <p:nvPr/>
+      </p:nvGrpSpPr>
+      <p:grpSpPr>
+        <a:xfrm>
+          <a:off x="0" y="0"/>
+          <a:ext cx="0" cy="0"/>
+          <a:chOff x="0" y="0"/>
+          <a:chExt cx="0" cy="0"/>
+        </a:xfrm>
+      </p:grpSpPr>
+      <p:sp>
+        <p:nvSpPr>
+          <p:cNvPr id="4" name="제목 1">
+            <a:extLst>
+              <a:ext uri="{FF2B5EF4-FFF2-40B4-BE49-F238E27FC236}">
+                <a16:creationId xmlns:a16="http://schemas.microsoft.com/office/drawing/2014/main" id="{B99FE53D-94BA-06CC-AFB4-801F3C7D6224}"/>
+              </a:ext>
+            </a:extLst>
+          </p:cNvPr>
+          <p:cNvSpPr txBox="1">
+            <a:spLocks/>
+          </p:cNvSpPr>
+          <p:nvPr/>
+        </p:nvSpPr>
+        <p:spPr>
+          <a:xfrm>
+            <a:off x="457200" y="311962"/>
+            <a:ext cx="10515600" cy="557351"/>
+          </a:xfrm>
+          <a:prstGeom prst="rect">
+            <a:avLst/>
+          </a:prstGeom>
+        </p:spPr>
+        <p:txBody>
+          <a:bodyPr vert="horz" lIns="91440" tIns="45720" rIns="91440" bIns="45720" rtlCol="0" anchor="b">
+            <a:normAutofit/>
+          </a:bodyPr>
+          <a:lstStyle>
+            <a:lvl1pPr algn="ctr" defTabSz="914400" rtl="0" eaLnBrk="1" latinLnBrk="1" hangingPunct="1">
+              <a:lnSpc>
+                <a:spcPct val="90000"/>
+              </a:lnSpc>
+              <a:spcBef>
+                <a:spcPct val="0"/>
+              </a:spcBef>
+              <a:buNone/>
+              <a:defRPr sz="6000" kern="1200">
+                <a:solidFill>
+                  <a:schemeClr val="tx1"/>
+                </a:solidFill>
+                <a:latin typeface="+mj-lt"/>
+                <a:ea typeface="+mj-ea"/>
+                <a:cs typeface="+mj-cs"/>
+              </a:defRPr>
+            </a:lvl1pPr>
+          </a:lstStyle>
+          <a:p>
+            <a:pPr algn="l"/>
+            <a:r>
+              <a:rPr kumimoji="1" lang="ko-KR" altLang="en-US" sz="3200" b="1" dirty="0">
+                <a:solidFill>
+                  <a:srgbClr val="002060"/>
+                </a:solidFill>
+              </a:rPr>
               <a:t>실습</a:t>
             </a:r>
           </a:p>
@@ -10578,6 +10870,461 @@
     <p:extLst>
       <p:ext uri="{BB962C8B-B14F-4D97-AF65-F5344CB8AC3E}">
         <p14:creationId xmlns:p14="http://schemas.microsoft.com/office/powerpoint/2010/main" val="3102098628"/>
+      </p:ext>
+    </p:extLst>
+  </p:cSld>
+  <p:clrMapOvr>
+    <a:masterClrMapping/>
+  </p:clrMapOvr>
+</p:sld>
+</file>
+
+<file path=ppt/slides/slide27.xml><?xml version="1.0" encoding="utf-8"?>
+<p:sld xmlns:a="http://schemas.openxmlformats.org/drawingml/2006/main" xmlns:r="http://schemas.openxmlformats.org/officeDocument/2006/relationships" xmlns:p="http://schemas.openxmlformats.org/presentationml/2006/main">
+  <p:cSld>
+    <p:spTree>
+      <p:nvGrpSpPr>
+        <p:cNvPr id="1" name=""/>
+        <p:cNvGrpSpPr/>
+        <p:nvPr/>
+      </p:nvGrpSpPr>
+      <p:grpSpPr>
+        <a:xfrm>
+          <a:off x="0" y="0"/>
+          <a:ext cx="0" cy="0"/>
+          <a:chOff x="0" y="0"/>
+          <a:chExt cx="0" cy="0"/>
+        </a:xfrm>
+      </p:grpSpPr>
+      <p:pic>
+        <p:nvPicPr>
+          <p:cNvPr id="4" name="그림 3" descr="스크린샷, 직사각형이(가) 표시된 사진&#10;&#10;자동 생성된 설명">
+            <a:extLst>
+              <a:ext uri="{FF2B5EF4-FFF2-40B4-BE49-F238E27FC236}">
+                <a16:creationId xmlns:a16="http://schemas.microsoft.com/office/drawing/2014/main" id="{22BA8432-F400-72F1-F7A7-7F83EE5C044E}"/>
+              </a:ext>
+            </a:extLst>
+          </p:cNvPr>
+          <p:cNvPicPr>
+            <a:picLocks noChangeAspect="1"/>
+          </p:cNvPicPr>
+          <p:nvPr/>
+        </p:nvPicPr>
+        <p:blipFill rotWithShape="1">
+          <a:blip r:embed="rId2"/>
+          <a:srcRect t="76802" r="4952"/>
+          <a:stretch/>
+        </p:blipFill>
+        <p:spPr>
+          <a:xfrm rot="5400000">
+            <a:off x="60468" y="479621"/>
+            <a:ext cx="664369" cy="129094"/>
+          </a:xfrm>
+          <a:prstGeom prst="rect">
+            <a:avLst/>
+          </a:prstGeom>
+        </p:spPr>
+      </p:pic>
+      <p:sp>
+        <p:nvSpPr>
+          <p:cNvPr id="5" name="제목 1">
+            <a:extLst>
+              <a:ext uri="{FF2B5EF4-FFF2-40B4-BE49-F238E27FC236}">
+                <a16:creationId xmlns:a16="http://schemas.microsoft.com/office/drawing/2014/main" id="{C78B4CEC-7997-E6D8-0927-749A4D41AC0D}"/>
+              </a:ext>
+            </a:extLst>
+          </p:cNvPr>
+          <p:cNvSpPr txBox="1">
+            <a:spLocks/>
+          </p:cNvSpPr>
+          <p:nvPr/>
+        </p:nvSpPr>
+        <p:spPr>
+          <a:xfrm>
+            <a:off x="457200" y="311962"/>
+            <a:ext cx="10515600" cy="557351"/>
+          </a:xfrm>
+          <a:prstGeom prst="rect">
+            <a:avLst/>
+          </a:prstGeom>
+        </p:spPr>
+        <p:txBody>
+          <a:bodyPr vert="horz" lIns="91440" tIns="45720" rIns="91440" bIns="45720" rtlCol="0" anchor="b">
+            <a:normAutofit/>
+          </a:bodyPr>
+          <a:lstStyle>
+            <a:lvl1pPr algn="ctr" defTabSz="914400" rtl="0" eaLnBrk="1" latinLnBrk="1" hangingPunct="1">
+              <a:lnSpc>
+                <a:spcPct val="90000"/>
+              </a:lnSpc>
+              <a:spcBef>
+                <a:spcPct val="0"/>
+              </a:spcBef>
+              <a:buNone/>
+              <a:defRPr sz="6000" kern="1200">
+                <a:solidFill>
+                  <a:schemeClr val="tx1"/>
+                </a:solidFill>
+                <a:latin typeface="+mj-lt"/>
+                <a:ea typeface="+mj-ea"/>
+                <a:cs typeface="+mj-cs"/>
+              </a:defRPr>
+            </a:lvl1pPr>
+          </a:lstStyle>
+          <a:p>
+            <a:pPr algn="l"/>
+            <a:r>
+              <a:rPr kumimoji="1" lang="ko-KR" altLang="en-US" sz="3200" b="1" dirty="0">
+                <a:solidFill>
+                  <a:srgbClr val="002060"/>
+                </a:solidFill>
+              </a:rPr>
+              <a:t>레퍼런스</a:t>
+            </a:r>
+            <a:endParaRPr kumimoji="1" lang="en-US" altLang="ko-KR" sz="3200" b="1" dirty="0">
+              <a:solidFill>
+                <a:srgbClr val="002060"/>
+              </a:solidFill>
+            </a:endParaRPr>
+          </a:p>
+        </p:txBody>
+      </p:sp>
+      <p:sp>
+        <p:nvSpPr>
+          <p:cNvPr id="3" name="TextBox 2">
+            <a:extLst>
+              <a:ext uri="{FF2B5EF4-FFF2-40B4-BE49-F238E27FC236}">
+                <a16:creationId xmlns:a16="http://schemas.microsoft.com/office/drawing/2014/main" id="{44CDF9A8-41EA-9412-B782-B2B3B39CE59E}"/>
+              </a:ext>
+            </a:extLst>
+          </p:cNvPr>
+          <p:cNvSpPr txBox="1"/>
+          <p:nvPr/>
+        </p:nvSpPr>
+        <p:spPr>
+          <a:xfrm>
+            <a:off x="457200" y="1502688"/>
+            <a:ext cx="10851420" cy="5355312"/>
+          </a:xfrm>
+          <a:prstGeom prst="rect">
+            <a:avLst/>
+          </a:prstGeom>
+          <a:noFill/>
+        </p:spPr>
+        <p:txBody>
+          <a:bodyPr wrap="square">
+            <a:spAutoFit/>
+          </a:bodyPr>
+          <a:lstStyle/>
+          <a:p>
+            <a:r>
+              <a:rPr lang="en" altLang="ko-KR" dirty="0"/>
+              <a:t>[#</a:t>
+            </a:r>
+            <a:r>
+              <a:rPr lang="en" altLang="ko-KR" dirty="0" err="1"/>
+              <a:t>langchain</a:t>
+            </a:r>
+            <a:r>
+              <a:rPr lang="en" altLang="ko-KR" dirty="0"/>
+              <a:t> </a:t>
+            </a:r>
+            <a:r>
+              <a:rPr lang="ko-KR" altLang="en-US" dirty="0" err="1"/>
+              <a:t>밋업</a:t>
+            </a:r>
+            <a:r>
+              <a:rPr lang="ko-KR" altLang="en-US" dirty="0"/>
+              <a:t> 발표</a:t>
+            </a:r>
+            <a:r>
+              <a:rPr lang="en-US" altLang="ko-KR" dirty="0"/>
+              <a:t>] </a:t>
+            </a:r>
+            <a:r>
+              <a:rPr lang="en" altLang="ko-KR" dirty="0"/>
+              <a:t>R.A.G. </a:t>
+            </a:r>
+            <a:r>
+              <a:rPr lang="ko-KR" altLang="en-US" dirty="0"/>
+              <a:t>우리가 절대 </a:t>
+            </a:r>
+            <a:r>
+              <a:rPr lang="ko-KR" altLang="en-US" dirty="0" err="1"/>
+              <a:t>쉽게결과물을</a:t>
+            </a:r>
+            <a:r>
+              <a:rPr lang="ko-KR" altLang="en-US" dirty="0"/>
+              <a:t> 얻을 수 없는 이유</a:t>
+            </a:r>
+            <a:endParaRPr lang="en-US" altLang="ko-KR" dirty="0"/>
+          </a:p>
+          <a:p>
+            <a:pPr marL="742950" lvl="1" indent="-285750">
+              <a:buFont typeface="Arial" panose="020B0604020202020204" pitchFamily="34" charset="0"/>
+              <a:buChar char="•"/>
+            </a:pPr>
+            <a:r>
+              <a:rPr lang="en-US" altLang="ko-KR" dirty="0">
+                <a:hlinkClick r:id="rId3"/>
+              </a:rPr>
+              <a:t>https://youtu.be/NfQrRQmDrcc?si=-z7Sh8ByYqX3Vumc</a:t>
+            </a:r>
+            <a:endParaRPr lang="en-US" altLang="ko-KR" dirty="0"/>
+          </a:p>
+          <a:p>
+            <a:pPr lvl="1"/>
+            <a:endParaRPr lang="en-US" altLang="ko-KR" dirty="0"/>
+          </a:p>
+          <a:p>
+            <a:r>
+              <a:rPr lang="en-US" altLang="ko-KR" dirty="0"/>
+              <a:t>&lt;</a:t>
+            </a:r>
+            <a:r>
+              <a:rPr lang="ko-KR" altLang="en-US" dirty="0" err="1"/>
+              <a:t>랭체인</a:t>
+            </a:r>
+            <a:r>
+              <a:rPr lang="en-US" altLang="ko-KR" dirty="0" err="1"/>
+              <a:t>LangChain</a:t>
+            </a:r>
+            <a:r>
+              <a:rPr lang="en-US" altLang="ko-KR" dirty="0"/>
+              <a:t> </a:t>
+            </a:r>
+            <a:r>
+              <a:rPr lang="ko-KR" altLang="en-US" dirty="0"/>
+              <a:t>노트</a:t>
+            </a:r>
+            <a:r>
+              <a:rPr lang="en-US" altLang="ko-KR" dirty="0"/>
+              <a:t>&gt; - </a:t>
+            </a:r>
+            <a:r>
+              <a:rPr lang="en-US" altLang="ko-KR" dirty="0" err="1"/>
+              <a:t>LangChain</a:t>
+            </a:r>
+            <a:r>
+              <a:rPr lang="en-US" altLang="ko-KR" dirty="0"/>
+              <a:t> </a:t>
+            </a:r>
+            <a:r>
+              <a:rPr lang="ko-KR" altLang="en-US" dirty="0"/>
+              <a:t>한국어 튜토리얼</a:t>
+            </a:r>
+            <a:endParaRPr lang="en-US" altLang="ko-KR" dirty="0"/>
+          </a:p>
+          <a:p>
+            <a:pPr marL="742950" lvl="1" indent="-285750">
+              <a:buFont typeface="Arial" panose="020B0604020202020204" pitchFamily="34" charset="0"/>
+              <a:buChar char="•"/>
+            </a:pPr>
+            <a:r>
+              <a:rPr lang="en-US" altLang="ko-KR" dirty="0">
+                <a:hlinkClick r:id="rId4"/>
+              </a:rPr>
+              <a:t>https://wikidocs.net/book/14314</a:t>
+            </a:r>
+            <a:endParaRPr lang="en-US" altLang="ko-KR" dirty="0"/>
+          </a:p>
+          <a:p>
+            <a:endParaRPr lang="en-US" altLang="ko-KR" dirty="0"/>
+          </a:p>
+          <a:p>
+            <a:r>
+              <a:rPr lang="en-US" altLang="ko-KR" dirty="0"/>
+              <a:t> </a:t>
+            </a:r>
+            <a:r>
+              <a:rPr lang="en-US" altLang="ko-KR" dirty="0" err="1"/>
+              <a:t>OpenAI's</a:t>
+            </a:r>
+            <a:r>
+              <a:rPr lang="en-US" altLang="ko-KR" dirty="0"/>
+              <a:t> Text Embeddings v3</a:t>
+            </a:r>
+          </a:p>
+          <a:p>
+            <a:pPr marL="742950" lvl="1" indent="-285750">
+              <a:buFont typeface="Arial" panose="020B0604020202020204" pitchFamily="34" charset="0"/>
+              <a:buChar char="•"/>
+            </a:pPr>
+            <a:r>
+              <a:rPr lang="en-US" altLang="ko-KR" dirty="0">
+                <a:hlinkClick r:id="rId5"/>
+              </a:rPr>
+              <a:t>https://www.pinecone.io/learn/openai-embeddings-v3/</a:t>
+            </a:r>
+            <a:endParaRPr lang="en-US" altLang="ko-KR" dirty="0"/>
+          </a:p>
+          <a:p>
+            <a:pPr marL="742950" lvl="1" indent="-285750">
+              <a:buFont typeface="Arial" panose="020B0604020202020204" pitchFamily="34" charset="0"/>
+              <a:buChar char="•"/>
+            </a:pPr>
+            <a:endParaRPr lang="en-US" altLang="ko-KR" dirty="0"/>
+          </a:p>
+          <a:p>
+            <a:r>
+              <a:rPr lang="ko-KR" altLang="en-US" dirty="0"/>
+              <a:t>벡터</a:t>
+            </a:r>
+            <a:r>
+              <a:rPr lang="en-US" altLang="ko-KR" dirty="0"/>
+              <a:t>DB</a:t>
+            </a:r>
+            <a:r>
+              <a:rPr lang="ko-KR" altLang="en-US" dirty="0"/>
+              <a:t>로 구현하는</a:t>
+            </a:r>
+            <a:r>
+              <a:rPr lang="en-US" altLang="ko-KR" dirty="0"/>
+              <a:t> LLM </a:t>
+            </a:r>
+            <a:r>
+              <a:rPr lang="ko-KR" altLang="en-US" dirty="0"/>
+              <a:t>기반 검색 엔진 </a:t>
+            </a:r>
+            <a:r>
+              <a:rPr lang="en-US" altLang="ko-KR" dirty="0"/>
+              <a:t>&amp; </a:t>
+            </a:r>
+            <a:r>
+              <a:rPr lang="ko-KR" altLang="en-US" dirty="0"/>
+              <a:t>유사 상품 추천 시스템</a:t>
+            </a:r>
+            <a:r>
+              <a:rPr lang="en-US" altLang="ko-KR" dirty="0"/>
+              <a:t> (</a:t>
+            </a:r>
+            <a:r>
+              <a:rPr lang="ko-KR" altLang="en-US" dirty="0" err="1"/>
+              <a:t>패캠</a:t>
+            </a:r>
+            <a:r>
+              <a:rPr lang="ko-KR" altLang="en-US" dirty="0"/>
+              <a:t> 유료강의</a:t>
+            </a:r>
+            <a:r>
+              <a:rPr lang="en-US" altLang="ko-KR" dirty="0"/>
+              <a:t>)</a:t>
+            </a:r>
+          </a:p>
+          <a:p>
+            <a:pPr marL="742950" lvl="1" indent="-285750">
+              <a:buFont typeface="Arial" panose="020B0604020202020204" pitchFamily="34" charset="0"/>
+              <a:buChar char="•"/>
+            </a:pPr>
+            <a:r>
+              <a:rPr lang="en" altLang="ko-KR" dirty="0">
+                <a:hlinkClick r:id="rId6"/>
+              </a:rPr>
+              <a:t>https://fastcampus.co.kr/data_online_vector</a:t>
+            </a:r>
+            <a:r>
+              <a:rPr lang="ko-KR" altLang="en-US" dirty="0">
+                <a:hlinkClick r:id="rId6"/>
+              </a:rPr>
+              <a:t> </a:t>
+            </a:r>
+            <a:br>
+              <a:rPr lang="en-US" altLang="ko-KR" dirty="0"/>
+            </a:br>
+            <a:endParaRPr lang="en-US" altLang="ko-KR" dirty="0"/>
+          </a:p>
+          <a:p>
+            <a:r>
+              <a:rPr lang="en" altLang="ko-KR" dirty="0"/>
+              <a:t>What Chunk Size and Chunk Overlap Should You Use?</a:t>
+            </a:r>
+          </a:p>
+          <a:p>
+            <a:pPr marL="742950" lvl="1" indent="-285750">
+              <a:buFont typeface="Arial" panose="020B0604020202020204" pitchFamily="34" charset="0"/>
+              <a:buChar char="•"/>
+            </a:pPr>
+            <a:r>
+              <a:rPr lang="en" altLang="ko-KR" dirty="0">
+                <a:hlinkClick r:id="rId7"/>
+              </a:rPr>
+              <a:t>https://dev.to/peterabel/what-chunk-size-and-chunk-overlap-should-you-use-4338</a:t>
+            </a:r>
+            <a:endParaRPr lang="en" altLang="ko-KR" dirty="0"/>
+          </a:p>
+          <a:p>
+            <a:endParaRPr lang="en-US" altLang="ko-KR" dirty="0"/>
+          </a:p>
+          <a:p>
+            <a:r>
+              <a:rPr lang="en-US" altLang="ko-KR" dirty="0"/>
+              <a:t>🦜️✂️ Chunk Division and Overlap: Understanding the Process</a:t>
+            </a:r>
+          </a:p>
+          <a:p>
+            <a:pPr marL="742950" lvl="1" indent="-285750">
+              <a:buFont typeface="Arial" panose="020B0604020202020204" pitchFamily="34" charset="0"/>
+              <a:buChar char="•"/>
+            </a:pPr>
+            <a:r>
+              <a:rPr lang="en-US" altLang="ko-KR" dirty="0">
+                <a:hlinkClick r:id="rId8"/>
+              </a:rPr>
+              <a:t>https://gustavo-espindola.medium.com/chunk-division-and-overlap-understanding-the-process-ade7eae1b2bd</a:t>
+            </a:r>
+            <a:r>
+              <a:rPr lang="en-US" altLang="ko-KR" dirty="0"/>
+              <a:t> </a:t>
+            </a:r>
+          </a:p>
+          <a:p>
+            <a:endParaRPr lang="en-US" altLang="ko-KR" dirty="0"/>
+          </a:p>
+        </p:txBody>
+      </p:sp>
+      <p:sp>
+        <p:nvSpPr>
+          <p:cNvPr id="6" name="TextBox 5">
+            <a:extLst>
+              <a:ext uri="{FF2B5EF4-FFF2-40B4-BE49-F238E27FC236}">
+                <a16:creationId xmlns:a16="http://schemas.microsoft.com/office/drawing/2014/main" id="{9728924C-25A6-C00C-4076-0D60C7B58F18}"/>
+              </a:ext>
+            </a:extLst>
+          </p:cNvPr>
+          <p:cNvSpPr txBox="1"/>
+          <p:nvPr/>
+        </p:nvSpPr>
+        <p:spPr>
+          <a:xfrm>
+            <a:off x="457200" y="876353"/>
+            <a:ext cx="10851420" cy="369332"/>
+          </a:xfrm>
+          <a:prstGeom prst="rect">
+            <a:avLst/>
+          </a:prstGeom>
+          <a:noFill/>
+        </p:spPr>
+        <p:txBody>
+          <a:bodyPr wrap="square">
+            <a:spAutoFit/>
+          </a:bodyPr>
+          <a:lstStyle/>
+          <a:p>
+            <a:r>
+              <a:rPr lang="ko-KR" altLang="en-US" dirty="0"/>
+              <a:t>각 슬라이드 페이지에 출처가 적혀 있는 것은 제외 했습니다</a:t>
+            </a:r>
+            <a:r>
+              <a:rPr lang="en-US" altLang="ko-KR" dirty="0"/>
+              <a:t>.</a:t>
+            </a:r>
+          </a:p>
+        </p:txBody>
+      </p:sp>
+    </p:spTree>
+    <p:extLst>
+      <p:ext uri="{BB962C8B-B14F-4D97-AF65-F5344CB8AC3E}">
+        <p14:creationId xmlns:p14="http://schemas.microsoft.com/office/powerpoint/2010/main" val="1802228030"/>
       </p:ext>
     </p:extLst>
   </p:cSld>
